--- a/Data607-Final-Project.pptx
+++ b/Data607-Final-Project.pptx
@@ -30,8 +30,12 @@
     <p:sldId id="313" r:id="rId24"/>
     <p:sldId id="314" r:id="rId25"/>
     <p:sldId id="315" r:id="rId26"/>
-    <p:sldId id="317" r:id="rId27"/>
-    <p:sldId id="316" r:id="rId28"/>
+    <p:sldId id="318" r:id="rId27"/>
+    <p:sldId id="319" r:id="rId28"/>
+    <p:sldId id="321" r:id="rId29"/>
+    <p:sldId id="320" r:id="rId30"/>
+    <p:sldId id="317" r:id="rId31"/>
+    <p:sldId id="316" r:id="rId32"/>
   </p:sldIdLst>
   <p:sldSz cx="12192000" cy="6858000"/>
   <p:notesSz cx="6858000" cy="9144000"/>
@@ -3173,6 +3177,10 @@
               <a:rPr lang="en-US" sz="2800" b="1" dirty="0"/>
               <a:t>Electoral Data</a:t>
             </a:r>
+            <a:r>
+              <a:rPr lang="en-US" dirty="0"/>
+              <a:t/>
+            </a:r>
             <a:br>
               <a:rPr lang="en-US" dirty="0"/>
             </a:br>
@@ -3276,6 +3284,10 @@
               <a:rPr lang="en-US" sz="2800" b="1" dirty="0"/>
               <a:t>Electoral and Economic Data</a:t>
             </a:r>
+            <a:r>
+              <a:rPr lang="en-US" dirty="0"/>
+              <a:t/>
+            </a:r>
             <a:br>
               <a:rPr lang="en-US" dirty="0"/>
             </a:br>
@@ -3485,6 +3497,10 @@
               <a:rPr lang="en-US" sz="2800" b="1" dirty="0"/>
               <a:t>Visualize</a:t>
             </a:r>
+            <a:r>
+              <a:rPr lang="en-US" dirty="0"/>
+              <a:t/>
+            </a:r>
             <a:br>
               <a:rPr lang="en-US" dirty="0"/>
             </a:br>
@@ -3663,6 +3679,10 @@
             <a:r>
               <a:rPr lang="en-US" sz="2800" b="1" dirty="0"/>
               <a:t>Visualize</a:t>
+            </a:r>
+            <a:r>
+              <a:rPr lang="en-US" dirty="0"/>
+              <a:t/>
             </a:r>
             <a:br>
               <a:rPr lang="en-US" dirty="0"/>
@@ -3843,6 +3863,10 @@
               <a:rPr lang="en-US" sz="2800" b="1" dirty="0"/>
               <a:t>Visualize</a:t>
             </a:r>
+            <a:r>
+              <a:rPr lang="en-US" dirty="0"/>
+              <a:t/>
+            </a:r>
             <a:br>
               <a:rPr lang="en-US" dirty="0"/>
             </a:br>
@@ -4017,6 +4041,10 @@
               <a:rPr lang="en-US" sz="2800" b="1" dirty="0"/>
               <a:t>Visualize</a:t>
             </a:r>
+            <a:r>
+              <a:rPr lang="en-US" dirty="0"/>
+              <a:t/>
+            </a:r>
             <a:br>
               <a:rPr lang="en-US" dirty="0"/>
             </a:br>
@@ -4195,6 +4223,10 @@
             <a:r>
               <a:rPr lang="en-US" sz="2800" b="1" dirty="0"/>
               <a:t>Visualize</a:t>
+            </a:r>
+            <a:r>
+              <a:rPr lang="en-US" dirty="0"/>
+              <a:t/>
             </a:r>
             <a:br>
               <a:rPr lang="en-US" dirty="0"/>
@@ -4370,6 +4402,10 @@
               <a:rPr lang="en-US" sz="2800" b="1" dirty="0"/>
               <a:t>Model</a:t>
             </a:r>
+            <a:r>
+              <a:rPr lang="en-US" dirty="0"/>
+              <a:t/>
+            </a:r>
             <a:br>
               <a:rPr lang="en-US" dirty="0"/>
             </a:br>
@@ -4479,6 +4515,10 @@
               <a:rPr lang="en-US" sz="2800" b="1" dirty="0"/>
               <a:t>Model</a:t>
             </a:r>
+            <a:r>
+              <a:rPr lang="en-US" dirty="0"/>
+              <a:t/>
+            </a:r>
             <a:br>
               <a:rPr lang="en-US" dirty="0"/>
             </a:br>
@@ -4678,6 +4718,10 @@
               <a:rPr lang="en-US" sz="2800" b="1" dirty="0"/>
               <a:t>Model</a:t>
             </a:r>
+            <a:r>
+              <a:rPr lang="en-US" dirty="0"/>
+              <a:t/>
+            </a:r>
             <a:br>
               <a:rPr lang="en-US" dirty="0"/>
             </a:br>
@@ -4787,6 +4831,10 @@
               <a:rPr lang="en-US" sz="2800" b="1" dirty="0"/>
               <a:t>Analysis Statement</a:t>
             </a:r>
+            <a:r>
+              <a:rPr lang="en-US" dirty="0"/>
+              <a:t/>
+            </a:r>
             <a:br>
               <a:rPr lang="en-US" dirty="0"/>
             </a:br>
@@ -4918,6 +4966,10 @@
             <a:r>
               <a:rPr lang="en-US" sz="2800" b="1" dirty="0"/>
               <a:t>Model</a:t>
+            </a:r>
+            <a:r>
+              <a:rPr lang="en-US" dirty="0"/>
+              <a:t/>
             </a:r>
             <a:br>
               <a:rPr lang="en-US" dirty="0"/>
@@ -5118,6 +5170,10 @@
               <a:rPr lang="en-US" sz="2800" b="1" dirty="0"/>
               <a:t>Model</a:t>
             </a:r>
+            <a:r>
+              <a:rPr lang="en-US" dirty="0"/>
+              <a:t/>
+            </a:r>
             <a:br>
               <a:rPr lang="en-US" dirty="0"/>
             </a:br>
@@ -5297,6 +5353,10 @@
             <a:r>
               <a:rPr lang="en-US" sz="2800" b="1" dirty="0"/>
               <a:t>Model</a:t>
+            </a:r>
+            <a:r>
+              <a:rPr lang="en-US" dirty="0"/>
+              <a:t/>
             </a:r>
             <a:br>
               <a:rPr lang="en-US" dirty="0"/>
@@ -5487,6 +5547,10 @@
               <a:rPr lang="en-US" sz="2800" b="1" dirty="0"/>
               <a:t>Model</a:t>
             </a:r>
+            <a:r>
+              <a:rPr lang="en-US" dirty="0"/>
+              <a:t/>
+            </a:r>
             <a:br>
               <a:rPr lang="en-US" dirty="0"/>
             </a:br>
@@ -5616,6 +5680,10 @@
               <a:rPr lang="en-US" sz="2800" b="1" dirty="0"/>
               <a:t>Model</a:t>
             </a:r>
+            <a:r>
+              <a:rPr lang="en-US" dirty="0"/>
+              <a:t/>
+            </a:r>
             <a:br>
               <a:rPr lang="en-US" dirty="0"/>
             </a:br>
@@ -5745,6 +5813,10 @@
               <a:rPr lang="en-US" sz="2800" b="1" dirty="0"/>
               <a:t>Model</a:t>
             </a:r>
+            <a:r>
+              <a:rPr lang="en-US" dirty="0"/>
+              <a:t/>
+            </a:r>
             <a:br>
               <a:rPr lang="en-US" dirty="0"/>
             </a:br>
@@ -5913,9 +5985,33 @@
           <a:chExt cx="0" cy="0"/>
         </a:xfrm>
       </p:grpSpPr>
-      <p:sp>
-        <p:nvSpPr>
-          <p:cNvPr id="2" name="Title 1"/>
+      <p:pic>
+        <p:nvPicPr>
+          <p:cNvPr id="4" name="Picture 3"/>
+          <p:cNvPicPr>
+            <a:picLocks noChangeAspect="1"/>
+          </p:cNvPicPr>
+          <p:nvPr/>
+        </p:nvPicPr>
+        <p:blipFill>
+          <a:blip r:embed="rId2"/>
+          <a:stretch>
+            <a:fillRect/>
+          </a:stretch>
+        </p:blipFill>
+        <p:spPr>
+          <a:xfrm>
+            <a:off x="1709737" y="1766887"/>
+            <a:ext cx="8772525" cy="3324225"/>
+          </a:xfrm>
+          <a:prstGeom prst="rect">
+            <a:avLst/>
+          </a:prstGeom>
+        </p:spPr>
+      </p:pic>
+      <p:sp>
+        <p:nvSpPr>
+          <p:cNvPr id="5" name="Title 1"/>
           <p:cNvSpPr>
             <a:spLocks noGrp="1"/>
           </p:cNvSpPr>
@@ -5937,20 +6033,24 @@
           <a:p>
             <a:r>
               <a:rPr lang="en-US" sz="2800" b="1" dirty="0"/>
-              <a:t>Challenges</a:t>
+              <a:t>Model</a:t>
+            </a:r>
+            <a:r>
+              <a:rPr lang="en-US" dirty="0"/>
+              <a:t/>
             </a:r>
             <a:br>
               <a:rPr lang="en-US" dirty="0"/>
             </a:br>
             <a:r>
-              <a:rPr lang="en-US" sz="2000" b="1" dirty="0">
+              <a:rPr lang="en-US" sz="2000" b="1" dirty="0" smtClean="0">
                 <a:solidFill>
                   <a:schemeClr val="bg1">
                     <a:lumMod val="50000"/>
                   </a:schemeClr>
                 </a:solidFill>
               </a:rPr>
-              <a:t>Communicate</a:t>
+              <a:t>Congress Economy Predictor - Python</a:t>
             </a:r>
             <a:endParaRPr lang="en-US" sz="3600" b="1" dirty="0">
               <a:solidFill>
@@ -5964,20 +6064,52 @@
       </p:sp>
       <p:sp>
         <p:nvSpPr>
-          <p:cNvPr id="6" name="TextBox 5">
-            <a:extLst>
-              <a:ext uri="{FF2B5EF4-FFF2-40B4-BE49-F238E27FC236}">
-                <a16:creationId xmlns:a16="http://schemas.microsoft.com/office/drawing/2014/main" id="{57B2F68C-13CD-F34C-B195-7B32E800E445}"/>
-              </a:ext>
-            </a:extLst>
-          </p:cNvPr>
+          <p:cNvPr id="6" name="Right Brace 5"/>
+          <p:cNvSpPr/>
+          <p:nvPr/>
+        </p:nvSpPr>
+        <p:spPr>
+          <a:xfrm rot="5400000">
+            <a:off x="2695334" y="4581286"/>
+            <a:ext cx="223839" cy="1243489"/>
+          </a:xfrm>
+          <a:prstGeom prst="rightBrace">
+            <a:avLst/>
+          </a:prstGeom>
+        </p:spPr>
+        <p:style>
+          <a:lnRef idx="1">
+            <a:schemeClr val="accent1"/>
+          </a:lnRef>
+          <a:fillRef idx="0">
+            <a:schemeClr val="accent1"/>
+          </a:fillRef>
+          <a:effectRef idx="0">
+            <a:schemeClr val="accent1"/>
+          </a:effectRef>
+          <a:fontRef idx="minor">
+            <a:schemeClr val="tx1"/>
+          </a:fontRef>
+        </p:style>
+        <p:txBody>
+          <a:bodyPr rtlCol="0" anchor="ctr"/>
+          <a:lstStyle/>
+          <a:p>
+            <a:pPr algn="ctr"/>
+            <a:endParaRPr lang="en-US"/>
+          </a:p>
+        </p:txBody>
+      </p:sp>
+      <p:sp>
+        <p:nvSpPr>
+          <p:cNvPr id="7" name="TextBox 6"/>
           <p:cNvSpPr txBox="1"/>
           <p:nvPr/>
         </p:nvSpPr>
         <p:spPr>
           <a:xfrm>
-            <a:off x="1890584" y="2335427"/>
-            <a:ext cx="7334252" cy="2031325"/>
+            <a:off x="1828800" y="5429250"/>
+            <a:ext cx="2283126" cy="369332"/>
           </a:xfrm>
           <a:prstGeom prst="rect">
             <a:avLst/>
@@ -5990,66 +6122,10 @@
           </a:bodyPr>
           <a:lstStyle/>
           <a:p>
-            <a:pPr marL="285750" indent="-285750">
-              <a:buFont typeface="Arial" panose="020B0604020202020204" pitchFamily="34" charset="0"/>
-              <a:buChar char="•"/>
-            </a:pPr>
-            <a:r>
-              <a:rPr lang="en-US" dirty="0"/>
-              <a:t>Regression models are not always possible</a:t>
-            </a:r>
-          </a:p>
-          <a:p>
-            <a:pPr marL="285750" indent="-285750">
-              <a:buFont typeface="Arial" panose="020B0604020202020204" pitchFamily="34" charset="0"/>
-              <a:buChar char="•"/>
-            </a:pPr>
-            <a:endParaRPr lang="en-US" dirty="0"/>
-          </a:p>
-          <a:p>
-            <a:pPr marL="285750" indent="-285750">
-              <a:buFont typeface="Arial" panose="020B0604020202020204" pitchFamily="34" charset="0"/>
-              <a:buChar char="•"/>
-            </a:pPr>
-            <a:r>
-              <a:rPr lang="en-US" dirty="0"/>
-              <a:t>Reticulate only works with </a:t>
-            </a:r>
-            <a:r>
-              <a:rPr lang="en-US" dirty="0" err="1"/>
-              <a:t>Knitt</a:t>
-            </a:r>
-            <a:endParaRPr lang="en-US" dirty="0"/>
-          </a:p>
-          <a:p>
-            <a:pPr marL="285750" indent="-285750">
-              <a:buFont typeface="Arial" panose="020B0604020202020204" pitchFamily="34" charset="0"/>
-              <a:buChar char="•"/>
-            </a:pPr>
-            <a:endParaRPr lang="en-US" dirty="0"/>
-          </a:p>
-          <a:p>
-            <a:pPr marL="285750" indent="-285750">
-              <a:buFont typeface="Arial" panose="020B0604020202020204" pitchFamily="34" charset="0"/>
-              <a:buChar char="•"/>
-            </a:pPr>
-            <a:r>
-              <a:rPr lang="en-US" dirty="0"/>
-              <a:t>Matplotlib has issues when running with Reticulate in R, need to plot in R</a:t>
-            </a:r>
-          </a:p>
-          <a:p>
-            <a:pPr marL="285750" indent="-285750">
-              <a:buFont typeface="Arial" panose="020B0604020202020204" pitchFamily="34" charset="0"/>
-              <a:buChar char="•"/>
-            </a:pPr>
-            <a:endParaRPr lang="en-US" dirty="0"/>
-          </a:p>
-          <a:p>
-            <a:pPr marL="285750" indent="-285750">
-              <a:buFont typeface="Arial" panose="020B0604020202020204" pitchFamily="34" charset="0"/>
-              <a:buChar char="•"/>
-            </a:pPr>
+            <a:r>
+              <a:rPr lang="en-US" dirty="0" smtClean="0"/>
+              <a:t>Classifier Performance</a:t>
+            </a:r>
             <a:endParaRPr lang="en-US" dirty="0"/>
           </a:p>
         </p:txBody>
@@ -6057,7 +6133,7 @@
     </p:spTree>
     <p:extLst>
       <p:ext uri="{BB962C8B-B14F-4D97-AF65-F5344CB8AC3E}">
-        <p14:creationId xmlns:p14="http://schemas.microsoft.com/office/powerpoint/2010/main" val="380708867"/>
+        <p14:creationId xmlns:p14="http://schemas.microsoft.com/office/powerpoint/2010/main" val="3199177620"/>
       </p:ext>
     </p:extLst>
   </p:cSld>
@@ -6086,7 +6162,7 @@
       </p:grpSpPr>
       <p:sp>
         <p:nvSpPr>
-          <p:cNvPr id="2" name="Title 1"/>
+          <p:cNvPr id="5" name="Title 1"/>
           <p:cNvSpPr>
             <a:spLocks noGrp="1"/>
           </p:cNvSpPr>
@@ -6108,20 +6184,24 @@
           <a:p>
             <a:r>
               <a:rPr lang="en-US" sz="2800" b="1" dirty="0"/>
-              <a:t>Conclusions</a:t>
+              <a:t>Model</a:t>
+            </a:r>
+            <a:r>
+              <a:rPr lang="en-US" dirty="0"/>
+              <a:t/>
             </a:r>
             <a:br>
               <a:rPr lang="en-US" dirty="0"/>
             </a:br>
             <a:r>
-              <a:rPr lang="en-US" sz="2000" b="1" dirty="0">
+              <a:rPr lang="en-US" sz="2000" b="1" dirty="0" smtClean="0">
                 <a:solidFill>
                   <a:schemeClr val="bg1">
                     <a:lumMod val="50000"/>
                   </a:schemeClr>
                 </a:solidFill>
               </a:rPr>
-              <a:t>Communicate</a:t>
+              <a:t>Congress Economy Predictor - R</a:t>
             </a:r>
             <a:endParaRPr lang="en-US" sz="3600" b="1" dirty="0">
               <a:solidFill>
@@ -6135,20 +6215,52 @@
       </p:sp>
       <p:sp>
         <p:nvSpPr>
-          <p:cNvPr id="6" name="TextBox 5">
-            <a:extLst>
-              <a:ext uri="{FF2B5EF4-FFF2-40B4-BE49-F238E27FC236}">
-                <a16:creationId xmlns:a16="http://schemas.microsoft.com/office/drawing/2014/main" id="{57B2F68C-13CD-F34C-B195-7B32E800E445}"/>
-              </a:ext>
-            </a:extLst>
-          </p:cNvPr>
+          <p:cNvPr id="7" name="Right Brace 6"/>
+          <p:cNvSpPr/>
+          <p:nvPr/>
+        </p:nvSpPr>
+        <p:spPr>
+          <a:xfrm>
+            <a:off x="9434511" y="1383810"/>
+            <a:ext cx="323851" cy="4202602"/>
+          </a:xfrm>
+          <a:prstGeom prst="rightBrace">
+            <a:avLst/>
+          </a:prstGeom>
+        </p:spPr>
+        <p:style>
+          <a:lnRef idx="1">
+            <a:schemeClr val="accent1"/>
+          </a:lnRef>
+          <a:fillRef idx="0">
+            <a:schemeClr val="accent1"/>
+          </a:fillRef>
+          <a:effectRef idx="0">
+            <a:schemeClr val="accent1"/>
+          </a:effectRef>
+          <a:fontRef idx="minor">
+            <a:schemeClr val="tx1"/>
+          </a:fontRef>
+        </p:style>
+        <p:txBody>
+          <a:bodyPr rtlCol="0" anchor="ctr"/>
+          <a:lstStyle/>
+          <a:p>
+            <a:pPr algn="ctr"/>
+            <a:endParaRPr lang="en-US" dirty="0"/>
+          </a:p>
+        </p:txBody>
+      </p:sp>
+      <p:sp>
+        <p:nvSpPr>
+          <p:cNvPr id="8" name="TextBox 7"/>
           <p:cNvSpPr txBox="1"/>
           <p:nvPr/>
         </p:nvSpPr>
         <p:spPr>
           <a:xfrm>
-            <a:off x="1631092" y="1964725"/>
-            <a:ext cx="9521453" cy="2308324"/>
+            <a:off x="9834558" y="3300445"/>
+            <a:ext cx="2202591" cy="369332"/>
           </a:xfrm>
           <a:prstGeom prst="rect">
             <a:avLst/>
@@ -6161,89 +6273,324 @@
           </a:bodyPr>
           <a:lstStyle/>
           <a:p>
-            <a:pPr marL="285750" indent="-285750">
-              <a:buFont typeface="Arial" panose="020B0604020202020204" pitchFamily="34" charset="0"/>
-              <a:buChar char="•"/>
-            </a:pPr>
-            <a:r>
-              <a:rPr lang="en-US" dirty="0"/>
-              <a:t>GDP growth expected in 2019: </a:t>
-            </a:r>
-            <a:r>
-              <a:rPr lang="en-US" b="1" dirty="0"/>
-              <a:t>0.01760847</a:t>
+            <a:r>
+              <a:rPr lang="en-US" dirty="0" smtClean="0"/>
+              <a:t>Confusion Matrix in R</a:t>
             </a:r>
             <a:endParaRPr lang="en-US" dirty="0"/>
           </a:p>
-          <a:p>
-            <a:pPr marL="285750" indent="-285750">
-              <a:buFont typeface="Arial" panose="020B0604020202020204" pitchFamily="34" charset="0"/>
-              <a:buChar char="•"/>
-            </a:pPr>
-            <a:endParaRPr lang="en-US" dirty="0"/>
-          </a:p>
-          <a:p>
-            <a:pPr marL="285750" indent="-285750">
-              <a:buFont typeface="Arial" panose="020B0604020202020204" pitchFamily="34" charset="0"/>
-              <a:buChar char="•"/>
-            </a:pPr>
-            <a:r>
-              <a:rPr lang="en-US" dirty="0"/>
-              <a:t>RPCE expected in 2019: </a:t>
-            </a:r>
-            <a:r>
-              <a:rPr lang="en-US" b="1" dirty="0"/>
-              <a:t>3.266667</a:t>
-            </a:r>
-            <a:endParaRPr lang="en-US" dirty="0"/>
-          </a:p>
-          <a:p>
-            <a:pPr marL="285750" indent="-285750">
-              <a:buFont typeface="Arial" panose="020B0604020202020204" pitchFamily="34" charset="0"/>
-              <a:buChar char="•"/>
-            </a:pPr>
-            <a:endParaRPr lang="en-US" dirty="0"/>
-          </a:p>
-          <a:p>
-            <a:pPr marL="285750" indent="-285750">
-              <a:buFont typeface="Arial" panose="020B0604020202020204" pitchFamily="34" charset="0"/>
-              <a:buChar char="•"/>
-            </a:pPr>
-            <a:r>
-              <a:rPr lang="en-US" dirty="0"/>
-              <a:t>Economic indicator modeling using linear regression: congress composition not a good estimator</a:t>
-            </a:r>
-          </a:p>
-          <a:p>
-            <a:pPr marL="285750" indent="-285750">
-              <a:buFont typeface="Arial" panose="020B0604020202020204" pitchFamily="34" charset="0"/>
-              <a:buChar char="•"/>
-            </a:pPr>
-            <a:endParaRPr lang="en-US" dirty="0"/>
-          </a:p>
-          <a:p>
-            <a:pPr marL="285750" indent="-285750">
-              <a:buFont typeface="Arial" panose="020B0604020202020204" pitchFamily="34" charset="0"/>
-              <a:buChar char="•"/>
-            </a:pPr>
-            <a:r>
-              <a:rPr lang="en-US" dirty="0"/>
-              <a:t>Python modeling is possible in R using Reticulate library </a:t>
-            </a:r>
-          </a:p>
-          <a:p>
-            <a:pPr marL="285750" indent="-285750">
-              <a:buFont typeface="Arial" panose="020B0604020202020204" pitchFamily="34" charset="0"/>
-              <a:buChar char="•"/>
-            </a:pPr>
-            <a:endParaRPr lang="en-US" dirty="0"/>
-          </a:p>
-        </p:txBody>
-      </p:sp>
+        </p:txBody>
+      </p:sp>
+      <p:pic>
+        <p:nvPicPr>
+          <p:cNvPr id="11" name="Picture 10"/>
+          <p:cNvPicPr>
+            <a:picLocks noChangeAspect="1"/>
+          </p:cNvPicPr>
+          <p:nvPr/>
+        </p:nvPicPr>
+        <p:blipFill>
+          <a:blip r:embed="rId2"/>
+          <a:stretch>
+            <a:fillRect/>
+          </a:stretch>
+        </p:blipFill>
+        <p:spPr>
+          <a:xfrm>
+            <a:off x="547690" y="1341986"/>
+            <a:ext cx="8810625" cy="4286250"/>
+          </a:xfrm>
+          <a:prstGeom prst="rect">
+            <a:avLst/>
+          </a:prstGeom>
+        </p:spPr>
+      </p:pic>
     </p:spTree>
     <p:extLst>
       <p:ext uri="{BB962C8B-B14F-4D97-AF65-F5344CB8AC3E}">
-        <p14:creationId xmlns:p14="http://schemas.microsoft.com/office/powerpoint/2010/main" val="2559259607"/>
+        <p14:creationId xmlns:p14="http://schemas.microsoft.com/office/powerpoint/2010/main" val="3495189941"/>
+      </p:ext>
+    </p:extLst>
+  </p:cSld>
+  <p:clrMapOvr>
+    <a:masterClrMapping/>
+  </p:clrMapOvr>
+</p:sld>
+</file>
+
+<file path=ppt/slides/slide28.xml><?xml version="1.0" encoding="utf-8"?>
+<p:sld xmlns:a="http://schemas.openxmlformats.org/drawingml/2006/main" xmlns:r="http://schemas.openxmlformats.org/officeDocument/2006/relationships" xmlns:p="http://schemas.openxmlformats.org/presentationml/2006/main">
+  <p:cSld>
+    <p:spTree>
+      <p:nvGrpSpPr>
+        <p:cNvPr id="1" name=""/>
+        <p:cNvGrpSpPr/>
+        <p:nvPr/>
+      </p:nvGrpSpPr>
+      <p:grpSpPr>
+        <a:xfrm>
+          <a:off x="0" y="0"/>
+          <a:ext cx="0" cy="0"/>
+          <a:chOff x="0" y="0"/>
+          <a:chExt cx="0" cy="0"/>
+        </a:xfrm>
+      </p:grpSpPr>
+      <p:sp>
+        <p:nvSpPr>
+          <p:cNvPr id="5" name="Title 1"/>
+          <p:cNvSpPr>
+            <a:spLocks noGrp="1"/>
+          </p:cNvSpPr>
+          <p:nvPr>
+            <p:ph type="title"/>
+          </p:nvPr>
+        </p:nvSpPr>
+        <p:spPr>
+          <a:xfrm>
+            <a:off x="0" y="1"/>
+            <a:ext cx="10515600" cy="798022"/>
+          </a:xfrm>
+        </p:spPr>
+        <p:txBody>
+          <a:bodyPr>
+            <a:normAutofit/>
+          </a:bodyPr>
+          <a:lstStyle/>
+          <a:p>
+            <a:r>
+              <a:rPr lang="en-US" sz="2800" b="1" dirty="0"/>
+              <a:t>Model</a:t>
+            </a:r>
+            <a:r>
+              <a:rPr lang="en-US" dirty="0"/>
+              <a:t/>
+            </a:r>
+            <a:br>
+              <a:rPr lang="en-US" dirty="0"/>
+            </a:br>
+            <a:r>
+              <a:rPr lang="en-US" sz="2000" b="1" dirty="0" smtClean="0">
+                <a:solidFill>
+                  <a:schemeClr val="bg1">
+                    <a:lumMod val="50000"/>
+                  </a:schemeClr>
+                </a:solidFill>
+              </a:rPr>
+              <a:t>Congress Economy Predictor - R</a:t>
+            </a:r>
+            <a:endParaRPr lang="en-US" sz="3600" b="1" dirty="0">
+              <a:solidFill>
+                <a:schemeClr val="bg1">
+                  <a:lumMod val="50000"/>
+                </a:schemeClr>
+              </a:solidFill>
+            </a:endParaRPr>
+          </a:p>
+        </p:txBody>
+      </p:sp>
+      <p:pic>
+        <p:nvPicPr>
+          <p:cNvPr id="2" name="Picture 1"/>
+          <p:cNvPicPr>
+            <a:picLocks noChangeAspect="1"/>
+          </p:cNvPicPr>
+          <p:nvPr/>
+        </p:nvPicPr>
+        <p:blipFill>
+          <a:blip r:embed="rId2"/>
+          <a:stretch>
+            <a:fillRect/>
+          </a:stretch>
+        </p:blipFill>
+        <p:spPr>
+          <a:xfrm>
+            <a:off x="1600200" y="798023"/>
+            <a:ext cx="8915400" cy="5695950"/>
+          </a:xfrm>
+          <a:prstGeom prst="rect">
+            <a:avLst/>
+          </a:prstGeom>
+        </p:spPr>
+      </p:pic>
+    </p:spTree>
+    <p:extLst>
+      <p:ext uri="{BB962C8B-B14F-4D97-AF65-F5344CB8AC3E}">
+        <p14:creationId xmlns:p14="http://schemas.microsoft.com/office/powerpoint/2010/main" val="3074317745"/>
+      </p:ext>
+    </p:extLst>
+  </p:cSld>
+  <p:clrMapOvr>
+    <a:masterClrMapping/>
+  </p:clrMapOvr>
+</p:sld>
+</file>
+
+<file path=ppt/slides/slide29.xml><?xml version="1.0" encoding="utf-8"?>
+<p:sld xmlns:a="http://schemas.openxmlformats.org/drawingml/2006/main" xmlns:r="http://schemas.openxmlformats.org/officeDocument/2006/relationships" xmlns:p="http://schemas.openxmlformats.org/presentationml/2006/main">
+  <p:cSld>
+    <p:spTree>
+      <p:nvGrpSpPr>
+        <p:cNvPr id="1" name=""/>
+        <p:cNvGrpSpPr/>
+        <p:nvPr/>
+      </p:nvGrpSpPr>
+      <p:grpSpPr>
+        <a:xfrm>
+          <a:off x="0" y="0"/>
+          <a:ext cx="0" cy="0"/>
+          <a:chOff x="0" y="0"/>
+          <a:chExt cx="0" cy="0"/>
+        </a:xfrm>
+      </p:grpSpPr>
+      <p:sp>
+        <p:nvSpPr>
+          <p:cNvPr id="5" name="Title 1"/>
+          <p:cNvSpPr>
+            <a:spLocks noGrp="1"/>
+          </p:cNvSpPr>
+          <p:nvPr>
+            <p:ph type="title"/>
+          </p:nvPr>
+        </p:nvSpPr>
+        <p:spPr>
+          <a:xfrm>
+            <a:off x="0" y="1"/>
+            <a:ext cx="10515600" cy="798022"/>
+          </a:xfrm>
+        </p:spPr>
+        <p:txBody>
+          <a:bodyPr>
+            <a:normAutofit/>
+          </a:bodyPr>
+          <a:lstStyle/>
+          <a:p>
+            <a:r>
+              <a:rPr lang="en-US" sz="2800" b="1" dirty="0"/>
+              <a:t>Model</a:t>
+            </a:r>
+            <a:r>
+              <a:rPr lang="en-US" dirty="0"/>
+              <a:t/>
+            </a:r>
+            <a:br>
+              <a:rPr lang="en-US" dirty="0"/>
+            </a:br>
+            <a:r>
+              <a:rPr lang="en-US" sz="2000" b="1" dirty="0" smtClean="0">
+                <a:solidFill>
+                  <a:schemeClr val="bg1">
+                    <a:lumMod val="50000"/>
+                  </a:schemeClr>
+                </a:solidFill>
+              </a:rPr>
+              <a:t>Congress Economy Predictor - R</a:t>
+            </a:r>
+            <a:endParaRPr lang="en-US" sz="3600" b="1" dirty="0">
+              <a:solidFill>
+                <a:schemeClr val="bg1">
+                  <a:lumMod val="50000"/>
+                </a:schemeClr>
+              </a:solidFill>
+            </a:endParaRPr>
+          </a:p>
+        </p:txBody>
+      </p:sp>
+      <p:sp>
+        <p:nvSpPr>
+          <p:cNvPr id="11" name="Right Brace 10"/>
+          <p:cNvSpPr/>
+          <p:nvPr/>
+        </p:nvSpPr>
+        <p:spPr>
+          <a:xfrm>
+            <a:off x="9708352" y="2559539"/>
+            <a:ext cx="307185" cy="1560023"/>
+          </a:xfrm>
+          <a:prstGeom prst="rightBrace">
+            <a:avLst/>
+          </a:prstGeom>
+        </p:spPr>
+        <p:style>
+          <a:lnRef idx="1">
+            <a:schemeClr val="accent1"/>
+          </a:lnRef>
+          <a:fillRef idx="0">
+            <a:schemeClr val="accent1"/>
+          </a:fillRef>
+          <a:effectRef idx="0">
+            <a:schemeClr val="accent1"/>
+          </a:effectRef>
+          <a:fontRef idx="minor">
+            <a:schemeClr val="tx1"/>
+          </a:fontRef>
+        </p:style>
+        <p:txBody>
+          <a:bodyPr rtlCol="0" anchor="ctr"/>
+          <a:lstStyle/>
+          <a:p>
+            <a:pPr algn="ctr"/>
+            <a:endParaRPr lang="en-US" dirty="0"/>
+          </a:p>
+        </p:txBody>
+      </p:sp>
+      <p:sp>
+        <p:nvSpPr>
+          <p:cNvPr id="12" name="TextBox 11"/>
+          <p:cNvSpPr txBox="1"/>
+          <p:nvPr/>
+        </p:nvSpPr>
+        <p:spPr>
+          <a:xfrm>
+            <a:off x="10032202" y="3016384"/>
+            <a:ext cx="1538290" cy="646331"/>
+          </a:xfrm>
+          <a:prstGeom prst="rect">
+            <a:avLst/>
+          </a:prstGeom>
+          <a:noFill/>
+        </p:spPr>
+        <p:txBody>
+          <a:bodyPr wrap="square" rtlCol="0">
+            <a:spAutoFit/>
+          </a:bodyPr>
+          <a:lstStyle/>
+          <a:p>
+            <a:r>
+              <a:rPr lang="en-US" dirty="0" smtClean="0"/>
+              <a:t>2018 to 2019 Prediction</a:t>
+            </a:r>
+            <a:endParaRPr lang="en-US" dirty="0"/>
+          </a:p>
+        </p:txBody>
+      </p:sp>
+      <p:pic>
+        <p:nvPicPr>
+          <p:cNvPr id="2" name="Picture 1"/>
+          <p:cNvPicPr>
+            <a:picLocks noChangeAspect="1"/>
+          </p:cNvPicPr>
+          <p:nvPr/>
+        </p:nvPicPr>
+        <p:blipFill>
+          <a:blip r:embed="rId2"/>
+          <a:stretch>
+            <a:fillRect/>
+          </a:stretch>
+        </p:blipFill>
+        <p:spPr>
+          <a:xfrm>
+            <a:off x="814387" y="2509837"/>
+            <a:ext cx="8772525" cy="1609725"/>
+          </a:xfrm>
+          <a:prstGeom prst="rect">
+            <a:avLst/>
+          </a:prstGeom>
+        </p:spPr>
+      </p:pic>
+    </p:spTree>
+    <p:extLst>
+      <p:ext uri="{BB962C8B-B14F-4D97-AF65-F5344CB8AC3E}">
+        <p14:creationId xmlns:p14="http://schemas.microsoft.com/office/powerpoint/2010/main" val="3150229590"/>
       </p:ext>
     </p:extLst>
   </p:cSld>
@@ -6296,6 +6643,10 @@
               <a:rPr lang="en-US" sz="2800" b="1" dirty="0"/>
               <a:t>Agenda</a:t>
             </a:r>
+            <a:r>
+              <a:rPr lang="en-US" dirty="0"/>
+              <a:t/>
+            </a:r>
             <a:br>
               <a:rPr lang="en-US" dirty="0"/>
             </a:br>
@@ -6521,6 +6872,434 @@
     <p:extLst>
       <p:ext uri="{BB962C8B-B14F-4D97-AF65-F5344CB8AC3E}">
         <p14:creationId xmlns:p14="http://schemas.microsoft.com/office/powerpoint/2010/main" val="2376119671"/>
+      </p:ext>
+    </p:extLst>
+  </p:cSld>
+  <p:clrMapOvr>
+    <a:masterClrMapping/>
+  </p:clrMapOvr>
+</p:sld>
+</file>
+
+<file path=ppt/slides/slide30.xml><?xml version="1.0" encoding="utf-8"?>
+<p:sld xmlns:a="http://schemas.openxmlformats.org/drawingml/2006/main" xmlns:r="http://schemas.openxmlformats.org/officeDocument/2006/relationships" xmlns:p="http://schemas.openxmlformats.org/presentationml/2006/main">
+  <p:cSld>
+    <p:spTree>
+      <p:nvGrpSpPr>
+        <p:cNvPr id="1" name=""/>
+        <p:cNvGrpSpPr/>
+        <p:nvPr/>
+      </p:nvGrpSpPr>
+      <p:grpSpPr>
+        <a:xfrm>
+          <a:off x="0" y="0"/>
+          <a:ext cx="0" cy="0"/>
+          <a:chOff x="0" y="0"/>
+          <a:chExt cx="0" cy="0"/>
+        </a:xfrm>
+      </p:grpSpPr>
+      <p:sp>
+        <p:nvSpPr>
+          <p:cNvPr id="2" name="Title 1"/>
+          <p:cNvSpPr>
+            <a:spLocks noGrp="1"/>
+          </p:cNvSpPr>
+          <p:nvPr>
+            <p:ph type="title"/>
+          </p:nvPr>
+        </p:nvSpPr>
+        <p:spPr>
+          <a:xfrm>
+            <a:off x="0" y="1"/>
+            <a:ext cx="10515600" cy="798022"/>
+          </a:xfrm>
+        </p:spPr>
+        <p:txBody>
+          <a:bodyPr>
+            <a:normAutofit/>
+          </a:bodyPr>
+          <a:lstStyle/>
+          <a:p>
+            <a:r>
+              <a:rPr lang="en-US" sz="2800" b="1" dirty="0"/>
+              <a:t>Challenges</a:t>
+            </a:r>
+            <a:r>
+              <a:rPr lang="en-US" dirty="0"/>
+              <a:t/>
+            </a:r>
+            <a:br>
+              <a:rPr lang="en-US" dirty="0"/>
+            </a:br>
+            <a:r>
+              <a:rPr lang="en-US" sz="2000" b="1" dirty="0">
+                <a:solidFill>
+                  <a:schemeClr val="bg1">
+                    <a:lumMod val="50000"/>
+                  </a:schemeClr>
+                </a:solidFill>
+              </a:rPr>
+              <a:t>Communicate</a:t>
+            </a:r>
+            <a:endParaRPr lang="en-US" sz="3600" b="1" dirty="0">
+              <a:solidFill>
+                <a:schemeClr val="bg1">
+                  <a:lumMod val="50000"/>
+                </a:schemeClr>
+              </a:solidFill>
+            </a:endParaRPr>
+          </a:p>
+        </p:txBody>
+      </p:sp>
+      <p:sp>
+        <p:nvSpPr>
+          <p:cNvPr id="6" name="TextBox 5">
+            <a:extLst>
+              <a:ext uri="{FF2B5EF4-FFF2-40B4-BE49-F238E27FC236}">
+                <a16:creationId xmlns:a16="http://schemas.microsoft.com/office/drawing/2014/main" id="{57B2F68C-13CD-F34C-B195-7B32E800E445}"/>
+              </a:ext>
+            </a:extLst>
+          </p:cNvPr>
+          <p:cNvSpPr txBox="1"/>
+          <p:nvPr/>
+        </p:nvSpPr>
+        <p:spPr>
+          <a:xfrm>
+            <a:off x="1890584" y="2335427"/>
+            <a:ext cx="7334252" cy="2585323"/>
+          </a:xfrm>
+          <a:prstGeom prst="rect">
+            <a:avLst/>
+          </a:prstGeom>
+          <a:noFill/>
+        </p:spPr>
+        <p:txBody>
+          <a:bodyPr wrap="none" rtlCol="0">
+            <a:spAutoFit/>
+          </a:bodyPr>
+          <a:lstStyle/>
+          <a:p>
+            <a:pPr marL="285750" indent="-285750">
+              <a:buFont typeface="Arial" panose="020B0604020202020204" pitchFamily="34" charset="0"/>
+              <a:buChar char="•"/>
+            </a:pPr>
+            <a:r>
+              <a:rPr lang="en-US" dirty="0"/>
+              <a:t>Regression models are not always </a:t>
+            </a:r>
+            <a:r>
+              <a:rPr lang="en-US" dirty="0" smtClean="0"/>
+              <a:t>possible</a:t>
+            </a:r>
+          </a:p>
+          <a:p>
+            <a:endParaRPr lang="en-US" dirty="0"/>
+          </a:p>
+          <a:p>
+            <a:pPr marL="285750" indent="-285750">
+              <a:buFont typeface="Arial" panose="020B0604020202020204" pitchFamily="34" charset="0"/>
+              <a:buChar char="•"/>
+            </a:pPr>
+            <a:endParaRPr lang="en-US" dirty="0"/>
+          </a:p>
+          <a:p>
+            <a:pPr marL="285750" indent="-285750">
+              <a:buFont typeface="Arial" panose="020B0604020202020204" pitchFamily="34" charset="0"/>
+              <a:buChar char="•"/>
+            </a:pPr>
+            <a:r>
+              <a:rPr lang="en-US" dirty="0"/>
+              <a:t>Reticulate only works with </a:t>
+            </a:r>
+            <a:r>
+              <a:rPr lang="en-US" dirty="0" smtClean="0"/>
+              <a:t>Knit</a:t>
+            </a:r>
+          </a:p>
+          <a:p>
+            <a:endParaRPr lang="en-US" dirty="0"/>
+          </a:p>
+          <a:p>
+            <a:pPr marL="285750" indent="-285750">
+              <a:buFont typeface="Arial" panose="020B0604020202020204" pitchFamily="34" charset="0"/>
+              <a:buChar char="•"/>
+            </a:pPr>
+            <a:endParaRPr lang="en-US" dirty="0"/>
+          </a:p>
+          <a:p>
+            <a:pPr marL="285750" indent="-285750">
+              <a:buFont typeface="Arial" panose="020B0604020202020204" pitchFamily="34" charset="0"/>
+              <a:buChar char="•"/>
+            </a:pPr>
+            <a:r>
+              <a:rPr lang="en-US" dirty="0"/>
+              <a:t>Matplotlib has issues when running with Reticulate in R, need to plot in R</a:t>
+            </a:r>
+          </a:p>
+          <a:p>
+            <a:pPr marL="285750" indent="-285750">
+              <a:buFont typeface="Arial" panose="020B0604020202020204" pitchFamily="34" charset="0"/>
+              <a:buChar char="•"/>
+            </a:pPr>
+            <a:endParaRPr lang="en-US" dirty="0"/>
+          </a:p>
+          <a:p>
+            <a:pPr marL="285750" indent="-285750">
+              <a:buFont typeface="Arial" panose="020B0604020202020204" pitchFamily="34" charset="0"/>
+              <a:buChar char="•"/>
+            </a:pPr>
+            <a:endParaRPr lang="en-US" dirty="0"/>
+          </a:p>
+        </p:txBody>
+      </p:sp>
+    </p:spTree>
+    <p:extLst>
+      <p:ext uri="{BB962C8B-B14F-4D97-AF65-F5344CB8AC3E}">
+        <p14:creationId xmlns:p14="http://schemas.microsoft.com/office/powerpoint/2010/main" val="380708867"/>
+      </p:ext>
+    </p:extLst>
+  </p:cSld>
+  <p:clrMapOvr>
+    <a:masterClrMapping/>
+  </p:clrMapOvr>
+</p:sld>
+</file>
+
+<file path=ppt/slides/slide31.xml><?xml version="1.0" encoding="utf-8"?>
+<p:sld xmlns:a="http://schemas.openxmlformats.org/drawingml/2006/main" xmlns:r="http://schemas.openxmlformats.org/officeDocument/2006/relationships" xmlns:p="http://schemas.openxmlformats.org/presentationml/2006/main">
+  <p:cSld>
+    <p:spTree>
+      <p:nvGrpSpPr>
+        <p:cNvPr id="1" name=""/>
+        <p:cNvGrpSpPr/>
+        <p:nvPr/>
+      </p:nvGrpSpPr>
+      <p:grpSpPr>
+        <a:xfrm>
+          <a:off x="0" y="0"/>
+          <a:ext cx="0" cy="0"/>
+          <a:chOff x="0" y="0"/>
+          <a:chExt cx="0" cy="0"/>
+        </a:xfrm>
+      </p:grpSpPr>
+      <p:sp>
+        <p:nvSpPr>
+          <p:cNvPr id="2" name="Title 1"/>
+          <p:cNvSpPr>
+            <a:spLocks noGrp="1"/>
+          </p:cNvSpPr>
+          <p:nvPr>
+            <p:ph type="title"/>
+          </p:nvPr>
+        </p:nvSpPr>
+        <p:spPr>
+          <a:xfrm>
+            <a:off x="0" y="1"/>
+            <a:ext cx="10515600" cy="798022"/>
+          </a:xfrm>
+        </p:spPr>
+        <p:txBody>
+          <a:bodyPr>
+            <a:normAutofit/>
+          </a:bodyPr>
+          <a:lstStyle/>
+          <a:p>
+            <a:r>
+              <a:rPr lang="en-US" sz="2800" b="1" dirty="0"/>
+              <a:t>Conclusions</a:t>
+            </a:r>
+            <a:r>
+              <a:rPr lang="en-US" dirty="0"/>
+              <a:t/>
+            </a:r>
+            <a:br>
+              <a:rPr lang="en-US" dirty="0"/>
+            </a:br>
+            <a:r>
+              <a:rPr lang="en-US" sz="2000" b="1" dirty="0">
+                <a:solidFill>
+                  <a:schemeClr val="bg1">
+                    <a:lumMod val="50000"/>
+                  </a:schemeClr>
+                </a:solidFill>
+              </a:rPr>
+              <a:t>Communicate</a:t>
+            </a:r>
+            <a:endParaRPr lang="en-US" sz="3600" b="1" dirty="0">
+              <a:solidFill>
+                <a:schemeClr val="bg1">
+                  <a:lumMod val="50000"/>
+                </a:schemeClr>
+              </a:solidFill>
+            </a:endParaRPr>
+          </a:p>
+        </p:txBody>
+      </p:sp>
+      <p:sp>
+        <p:nvSpPr>
+          <p:cNvPr id="6" name="TextBox 5">
+            <a:extLst>
+              <a:ext uri="{FF2B5EF4-FFF2-40B4-BE49-F238E27FC236}">
+                <a16:creationId xmlns:a16="http://schemas.microsoft.com/office/drawing/2014/main" id="{57B2F68C-13CD-F34C-B195-7B32E800E445}"/>
+              </a:ext>
+            </a:extLst>
+          </p:cNvPr>
+          <p:cNvSpPr txBox="1"/>
+          <p:nvPr/>
+        </p:nvSpPr>
+        <p:spPr>
+          <a:xfrm>
+            <a:off x="545242" y="1236062"/>
+            <a:ext cx="11014747" cy="4431983"/>
+          </a:xfrm>
+          <a:prstGeom prst="rect">
+            <a:avLst/>
+          </a:prstGeom>
+          <a:noFill/>
+        </p:spPr>
+        <p:txBody>
+          <a:bodyPr wrap="none" rtlCol="0">
+            <a:spAutoFit/>
+          </a:bodyPr>
+          <a:lstStyle/>
+          <a:p>
+            <a:r>
+              <a:rPr lang="en-US" sz="2400" dirty="0" smtClean="0"/>
+              <a:t>Data Science</a:t>
+            </a:r>
+          </a:p>
+          <a:p>
+            <a:endParaRPr lang="en-US" dirty="0" smtClean="0"/>
+          </a:p>
+          <a:p>
+            <a:pPr marL="285750" indent="-285750">
+              <a:buFont typeface="Arial" panose="020B0604020202020204" pitchFamily="34" charset="0"/>
+              <a:buChar char="•"/>
+            </a:pPr>
+            <a:r>
+              <a:rPr lang="en-US" dirty="0" smtClean="0"/>
+              <a:t>GDP </a:t>
+            </a:r>
+            <a:r>
+              <a:rPr lang="en-US" dirty="0"/>
+              <a:t>growth expected in 2019: </a:t>
+            </a:r>
+            <a:r>
+              <a:rPr lang="en-US" b="1" dirty="0"/>
+              <a:t>0.01760847</a:t>
+            </a:r>
+            <a:endParaRPr lang="en-US" dirty="0"/>
+          </a:p>
+          <a:p>
+            <a:pPr marL="285750" indent="-285750">
+              <a:buFont typeface="Arial" panose="020B0604020202020204" pitchFamily="34" charset="0"/>
+              <a:buChar char="•"/>
+            </a:pPr>
+            <a:endParaRPr lang="en-US" dirty="0"/>
+          </a:p>
+          <a:p>
+            <a:pPr marL="285750" indent="-285750">
+              <a:buFont typeface="Arial" panose="020B0604020202020204" pitchFamily="34" charset="0"/>
+              <a:buChar char="•"/>
+            </a:pPr>
+            <a:r>
+              <a:rPr lang="en-US" dirty="0"/>
+              <a:t>RPCE expected in 2019: </a:t>
+            </a:r>
+            <a:r>
+              <a:rPr lang="en-US" b="1" dirty="0"/>
+              <a:t>3.266667</a:t>
+            </a:r>
+            <a:endParaRPr lang="en-US" dirty="0"/>
+          </a:p>
+          <a:p>
+            <a:pPr marL="285750" indent="-285750">
+              <a:buFont typeface="Arial" panose="020B0604020202020204" pitchFamily="34" charset="0"/>
+              <a:buChar char="•"/>
+            </a:pPr>
+            <a:endParaRPr lang="en-US" dirty="0"/>
+          </a:p>
+          <a:p>
+            <a:pPr marL="285750" indent="-285750">
+              <a:buFont typeface="Arial" panose="020B0604020202020204" pitchFamily="34" charset="0"/>
+              <a:buChar char="•"/>
+            </a:pPr>
+            <a:r>
+              <a:rPr lang="en-US" dirty="0"/>
+              <a:t>Economic indicator modeling using linear regression: congress composition not a good </a:t>
+            </a:r>
+            <a:r>
+              <a:rPr lang="en-US" dirty="0" smtClean="0"/>
+              <a:t>estimator</a:t>
+            </a:r>
+          </a:p>
+          <a:p>
+            <a:pPr marL="285750" indent="-285750">
+              <a:buFont typeface="Arial" panose="020B0604020202020204" pitchFamily="34" charset="0"/>
+              <a:buChar char="•"/>
+            </a:pPr>
+            <a:endParaRPr lang="en-US" dirty="0"/>
+          </a:p>
+          <a:p>
+            <a:pPr marL="285750" indent="-285750">
+              <a:buFont typeface="Arial" panose="020B0604020202020204" pitchFamily="34" charset="0"/>
+              <a:buChar char="•"/>
+            </a:pPr>
+            <a:r>
+              <a:rPr lang="en-US" dirty="0" smtClean="0"/>
+              <a:t>2018 to 2019 prediction using a Neural Network classifier does not show any change in the state of the economy</a:t>
+            </a:r>
+          </a:p>
+          <a:p>
+            <a:endParaRPr lang="en-US" dirty="0"/>
+          </a:p>
+          <a:p>
+            <a:pPr marL="285750" indent="-285750">
+              <a:buFont typeface="Arial" panose="020B0604020202020204" pitchFamily="34" charset="0"/>
+              <a:buChar char="•"/>
+            </a:pPr>
+            <a:endParaRPr lang="en-US" dirty="0"/>
+          </a:p>
+          <a:p>
+            <a:r>
+              <a:rPr lang="en-US" sz="2400" dirty="0" smtClean="0"/>
+              <a:t>Data Engineering</a:t>
+            </a:r>
+          </a:p>
+          <a:p>
+            <a:pPr marL="285750" indent="-285750">
+              <a:buFont typeface="Arial" panose="020B0604020202020204" pitchFamily="34" charset="0"/>
+              <a:buChar char="•"/>
+            </a:pPr>
+            <a:endParaRPr lang="en-US" dirty="0"/>
+          </a:p>
+          <a:p>
+            <a:pPr marL="285750" indent="-285750">
+              <a:buFont typeface="Arial" panose="020B0604020202020204" pitchFamily="34" charset="0"/>
+              <a:buChar char="•"/>
+            </a:pPr>
+            <a:r>
+              <a:rPr lang="en-US" dirty="0" smtClean="0"/>
+              <a:t>Python </a:t>
+            </a:r>
+            <a:r>
+              <a:rPr lang="en-US" dirty="0"/>
+              <a:t>modeling is possible in R using Reticulate library </a:t>
+            </a:r>
+          </a:p>
+          <a:p>
+            <a:pPr marL="285750" indent="-285750">
+              <a:buFont typeface="Arial" panose="020B0604020202020204" pitchFamily="34" charset="0"/>
+              <a:buChar char="•"/>
+            </a:pPr>
+            <a:endParaRPr lang="en-US" dirty="0"/>
+          </a:p>
+        </p:txBody>
+      </p:sp>
+    </p:spTree>
+    <p:extLst>
+      <p:ext uri="{BB962C8B-B14F-4D97-AF65-F5344CB8AC3E}">
+        <p14:creationId xmlns:p14="http://schemas.microsoft.com/office/powerpoint/2010/main" val="2559259607"/>
       </p:ext>
     </p:extLst>
   </p:cSld>
@@ -6572,6 +7351,10 @@
             <a:r>
               <a:rPr lang="en-US" sz="2800" b="1" dirty="0"/>
               <a:t>Analysis Workflow</a:t>
+            </a:r>
+            <a:r>
+              <a:rPr lang="en-US" dirty="0"/>
+              <a:t/>
             </a:r>
             <a:br>
               <a:rPr lang="en-US" dirty="0"/>
@@ -6698,6 +7481,10 @@
               <a:rPr lang="en-US" sz="2800" b="1" dirty="0"/>
               <a:t>Data Analysis</a:t>
             </a:r>
+            <a:r>
+              <a:rPr lang="en-US" dirty="0"/>
+              <a:t/>
+            </a:r>
             <a:br>
               <a:rPr lang="en-US" dirty="0"/>
             </a:br>
@@ -6978,6 +7765,10 @@
             <a:r>
               <a:rPr lang="en-US" sz="2800" b="1" dirty="0"/>
               <a:t>Data Analysis</a:t>
+            </a:r>
+            <a:r>
+              <a:rPr lang="en-US" dirty="0"/>
+              <a:t/>
             </a:r>
             <a:br>
               <a:rPr lang="en-US" dirty="0"/>
@@ -7320,6 +8111,10 @@
               <a:rPr lang="en-US" sz="2800" b="1" dirty="0"/>
               <a:t>Economic Data</a:t>
             </a:r>
+            <a:r>
+              <a:rPr lang="en-US" dirty="0"/>
+              <a:t/>
+            </a:r>
             <a:br>
               <a:rPr lang="en-US" dirty="0"/>
             </a:br>
@@ -7567,6 +8362,10 @@
             <a:r>
               <a:rPr lang="en-US" sz="2800" b="1" dirty="0"/>
               <a:t>Economic Data</a:t>
+            </a:r>
+            <a:r>
+              <a:rPr lang="en-US" dirty="0"/>
+              <a:t/>
             </a:r>
             <a:br>
               <a:rPr lang="en-US" dirty="0"/>
@@ -7668,6 +8467,10 @@
             <a:r>
               <a:rPr lang="en-US" sz="2800" b="1" dirty="0"/>
               <a:t>Electoral Data</a:t>
+            </a:r>
+            <a:r>
+              <a:rPr lang="en-US" dirty="0"/>
+              <a:t/>
             </a:r>
             <a:br>
               <a:rPr lang="en-US" dirty="0"/>

--- a/Data607-Final-Project.pptx
+++ b/Data607-Final-Project.pptx
@@ -3177,10 +3177,6 @@
               <a:rPr lang="en-US" sz="2800" b="1" dirty="0"/>
               <a:t>Electoral Data</a:t>
             </a:r>
-            <a:r>
-              <a:rPr lang="en-US" dirty="0"/>
-              <a:t/>
-            </a:r>
             <a:br>
               <a:rPr lang="en-US" dirty="0"/>
             </a:br>
@@ -3284,10 +3280,6 @@
               <a:rPr lang="en-US" sz="2800" b="1" dirty="0"/>
               <a:t>Electoral and Economic Data</a:t>
             </a:r>
-            <a:r>
-              <a:rPr lang="en-US" dirty="0"/>
-              <a:t/>
-            </a:r>
             <a:br>
               <a:rPr lang="en-US" dirty="0"/>
             </a:br>
@@ -3419,7 +3411,13 @@
       </p:sp>
       <p:pic>
         <p:nvPicPr>
-          <p:cNvPr id="8" name="Picture 7"/>
+          <p:cNvPr id="3" name="Picture 2">
+            <a:extLst>
+              <a:ext uri="{FF2B5EF4-FFF2-40B4-BE49-F238E27FC236}">
+                <a16:creationId xmlns:a16="http://schemas.microsoft.com/office/drawing/2014/main" id="{33603426-939A-064A-B8D0-A7CCD48B7B24}"/>
+              </a:ext>
+            </a:extLst>
+          </p:cNvPr>
           <p:cNvPicPr>
             <a:picLocks noChangeAspect="1"/>
           </p:cNvPicPr>
@@ -3433,8 +3431,8 @@
         </p:blipFill>
         <p:spPr>
           <a:xfrm>
-            <a:off x="1738585" y="4766975"/>
-            <a:ext cx="8477250" cy="1152525"/>
+            <a:off x="1724297" y="4771481"/>
+            <a:ext cx="8491538" cy="1490933"/>
           </a:xfrm>
           <a:prstGeom prst="rect">
             <a:avLst/>
@@ -3497,10 +3495,6 @@
               <a:rPr lang="en-US" sz="2800" b="1" dirty="0"/>
               <a:t>Visualize</a:t>
             </a:r>
-            <a:r>
-              <a:rPr lang="en-US" dirty="0"/>
-              <a:t/>
-            </a:r>
             <a:br>
               <a:rPr lang="en-US" dirty="0"/>
             </a:br>
@@ -3679,10 +3673,6 @@
             <a:r>
               <a:rPr lang="en-US" sz="2800" b="1" dirty="0"/>
               <a:t>Visualize</a:t>
-            </a:r>
-            <a:r>
-              <a:rPr lang="en-US" dirty="0"/>
-              <a:t/>
             </a:r>
             <a:br>
               <a:rPr lang="en-US" dirty="0"/>
@@ -3863,10 +3853,6 @@
               <a:rPr lang="en-US" sz="2800" b="1" dirty="0"/>
               <a:t>Visualize</a:t>
             </a:r>
-            <a:r>
-              <a:rPr lang="en-US" dirty="0"/>
-              <a:t/>
-            </a:r>
             <a:br>
               <a:rPr lang="en-US" dirty="0"/>
             </a:br>
@@ -4041,10 +4027,6 @@
               <a:rPr lang="en-US" sz="2800" b="1" dirty="0"/>
               <a:t>Visualize</a:t>
             </a:r>
-            <a:r>
-              <a:rPr lang="en-US" dirty="0"/>
-              <a:t/>
-            </a:r>
             <a:br>
               <a:rPr lang="en-US" dirty="0"/>
             </a:br>
@@ -4223,10 +4205,6 @@
             <a:r>
               <a:rPr lang="en-US" sz="2800" b="1" dirty="0"/>
               <a:t>Visualize</a:t>
-            </a:r>
-            <a:r>
-              <a:rPr lang="en-US" dirty="0"/>
-              <a:t/>
             </a:r>
             <a:br>
               <a:rPr lang="en-US" dirty="0"/>
@@ -4402,10 +4380,6 @@
               <a:rPr lang="en-US" sz="2800" b="1" dirty="0"/>
               <a:t>Model</a:t>
             </a:r>
-            <a:r>
-              <a:rPr lang="en-US" dirty="0"/>
-              <a:t/>
-            </a:r>
             <a:br>
               <a:rPr lang="en-US" dirty="0"/>
             </a:br>
@@ -4515,10 +4489,6 @@
               <a:rPr lang="en-US" sz="2800" b="1" dirty="0"/>
               <a:t>Model</a:t>
             </a:r>
-            <a:r>
-              <a:rPr lang="en-US" dirty="0"/>
-              <a:t/>
-            </a:r>
             <a:br>
               <a:rPr lang="en-US" dirty="0"/>
             </a:br>
@@ -4718,10 +4688,6 @@
               <a:rPr lang="en-US" sz="2800" b="1" dirty="0"/>
               <a:t>Model</a:t>
             </a:r>
-            <a:r>
-              <a:rPr lang="en-US" dirty="0"/>
-              <a:t/>
-            </a:r>
             <a:br>
               <a:rPr lang="en-US" dirty="0"/>
             </a:br>
@@ -4831,10 +4797,6 @@
               <a:rPr lang="en-US" sz="2800" b="1" dirty="0"/>
               <a:t>Analysis Statement</a:t>
             </a:r>
-            <a:r>
-              <a:rPr lang="en-US" dirty="0"/>
-              <a:t/>
-            </a:r>
             <a:br>
               <a:rPr lang="en-US" dirty="0"/>
             </a:br>
@@ -4966,10 +4928,6 @@
             <a:r>
               <a:rPr lang="en-US" sz="2800" b="1" dirty="0"/>
               <a:t>Model</a:t>
-            </a:r>
-            <a:r>
-              <a:rPr lang="en-US" dirty="0"/>
-              <a:t/>
             </a:r>
             <a:br>
               <a:rPr lang="en-US" dirty="0"/>
@@ -5170,10 +5128,6 @@
               <a:rPr lang="en-US" sz="2800" b="1" dirty="0"/>
               <a:t>Model</a:t>
             </a:r>
-            <a:r>
-              <a:rPr lang="en-US" dirty="0"/>
-              <a:t/>
-            </a:r>
             <a:br>
               <a:rPr lang="en-US" dirty="0"/>
             </a:br>
@@ -5353,10 +5307,6 @@
             <a:r>
               <a:rPr lang="en-US" sz="2800" b="1" dirty="0"/>
               <a:t>Model</a:t>
-            </a:r>
-            <a:r>
-              <a:rPr lang="en-US" dirty="0"/>
-              <a:t/>
             </a:r>
             <a:br>
               <a:rPr lang="en-US" dirty="0"/>
@@ -5547,10 +5497,6 @@
               <a:rPr lang="en-US" sz="2800" b="1" dirty="0"/>
               <a:t>Model</a:t>
             </a:r>
-            <a:r>
-              <a:rPr lang="en-US" dirty="0"/>
-              <a:t/>
-            </a:r>
             <a:br>
               <a:rPr lang="en-US" dirty="0"/>
             </a:br>
@@ -5680,10 +5626,6 @@
               <a:rPr lang="en-US" sz="2800" b="1" dirty="0"/>
               <a:t>Model</a:t>
             </a:r>
-            <a:r>
-              <a:rPr lang="en-US" dirty="0"/>
-              <a:t/>
-            </a:r>
             <a:br>
               <a:rPr lang="en-US" dirty="0"/>
             </a:br>
@@ -5812,10 +5754,6 @@
             <a:r>
               <a:rPr lang="en-US" sz="2800" b="1" dirty="0"/>
               <a:t>Model</a:t>
-            </a:r>
-            <a:r>
-              <a:rPr lang="en-US" dirty="0"/>
-              <a:t/>
             </a:r>
             <a:br>
               <a:rPr lang="en-US" dirty="0"/>
@@ -6035,15 +5973,11 @@
               <a:rPr lang="en-US" sz="2800" b="1" dirty="0"/>
               <a:t>Model</a:t>
             </a:r>
-            <a:r>
-              <a:rPr lang="en-US" dirty="0"/>
-              <a:t/>
-            </a:r>
             <a:br>
               <a:rPr lang="en-US" dirty="0"/>
             </a:br>
             <a:r>
-              <a:rPr lang="en-US" sz="2000" b="1" dirty="0" smtClean="0">
+              <a:rPr lang="en-US" sz="2000" b="1" dirty="0">
                 <a:solidFill>
                   <a:schemeClr val="bg1">
                     <a:lumMod val="50000"/>
@@ -6123,10 +6057,9 @@
           <a:lstStyle/>
           <a:p>
             <a:r>
-              <a:rPr lang="en-US" dirty="0" smtClean="0"/>
+              <a:rPr lang="en-US" dirty="0"/>
               <a:t>Classifier Performance</a:t>
             </a:r>
-            <a:endParaRPr lang="en-US" dirty="0"/>
           </a:p>
         </p:txBody>
       </p:sp>
@@ -6186,15 +6119,11 @@
               <a:rPr lang="en-US" sz="2800" b="1" dirty="0"/>
               <a:t>Model</a:t>
             </a:r>
-            <a:r>
-              <a:rPr lang="en-US" dirty="0"/>
-              <a:t/>
-            </a:r>
             <a:br>
               <a:rPr lang="en-US" dirty="0"/>
             </a:br>
             <a:r>
-              <a:rPr lang="en-US" sz="2000" b="1" dirty="0" smtClean="0">
+              <a:rPr lang="en-US" sz="2000" b="1" dirty="0">
                 <a:solidFill>
                   <a:schemeClr val="bg1">
                     <a:lumMod val="50000"/>
@@ -6274,10 +6203,9 @@
           <a:lstStyle/>
           <a:p>
             <a:r>
-              <a:rPr lang="en-US" dirty="0" smtClean="0"/>
+              <a:rPr lang="en-US" dirty="0"/>
               <a:t>Confusion Matrix in R</a:t>
             </a:r>
-            <a:endParaRPr lang="en-US" dirty="0"/>
           </a:p>
         </p:txBody>
       </p:sp>
@@ -6361,15 +6289,11 @@
               <a:rPr lang="en-US" sz="2800" b="1" dirty="0"/>
               <a:t>Model</a:t>
             </a:r>
-            <a:r>
-              <a:rPr lang="en-US" dirty="0"/>
-              <a:t/>
-            </a:r>
             <a:br>
               <a:rPr lang="en-US" dirty="0"/>
             </a:br>
             <a:r>
-              <a:rPr lang="en-US" sz="2000" b="1" dirty="0" smtClean="0">
+              <a:rPr lang="en-US" sz="2000" b="1" dirty="0">
                 <a:solidFill>
                   <a:schemeClr val="bg1">
                     <a:lumMod val="50000"/>
@@ -6468,15 +6392,11 @@
               <a:rPr lang="en-US" sz="2800" b="1" dirty="0"/>
               <a:t>Model</a:t>
             </a:r>
-            <a:r>
-              <a:rPr lang="en-US" dirty="0"/>
-              <a:t/>
-            </a:r>
             <a:br>
               <a:rPr lang="en-US" dirty="0"/>
             </a:br>
             <a:r>
-              <a:rPr lang="en-US" sz="2000" b="1" dirty="0" smtClean="0">
+              <a:rPr lang="en-US" sz="2000" b="1" dirty="0">
                 <a:solidFill>
                   <a:schemeClr val="bg1">
                     <a:lumMod val="50000"/>
@@ -6556,10 +6476,9 @@
           <a:lstStyle/>
           <a:p>
             <a:r>
-              <a:rPr lang="en-US" dirty="0" smtClean="0"/>
+              <a:rPr lang="en-US" dirty="0"/>
               <a:t>2018 to 2019 Prediction</a:t>
             </a:r>
-            <a:endParaRPr lang="en-US" dirty="0"/>
           </a:p>
         </p:txBody>
       </p:sp>
@@ -6643,10 +6562,6 @@
               <a:rPr lang="en-US" sz="2800" b="1" dirty="0"/>
               <a:t>Agenda</a:t>
             </a:r>
-            <a:r>
-              <a:rPr lang="en-US" dirty="0"/>
-              <a:t/>
-            </a:r>
             <a:br>
               <a:rPr lang="en-US" dirty="0"/>
             </a:br>
@@ -6924,10 +6839,6 @@
               <a:rPr lang="en-US" sz="2800" b="1" dirty="0"/>
               <a:t>Challenges</a:t>
             </a:r>
-            <a:r>
-              <a:rPr lang="en-US" dirty="0"/>
-              <a:t/>
-            </a:r>
             <a:br>
               <a:rPr lang="en-US" dirty="0"/>
             </a:br>
@@ -6985,11 +6896,7 @@
             </a:pPr>
             <a:r>
               <a:rPr lang="en-US" dirty="0"/>
-              <a:t>Regression models are not always </a:t>
-            </a:r>
-            <a:r>
-              <a:rPr lang="en-US" dirty="0" smtClean="0"/>
-              <a:t>possible</a:t>
+              <a:t>Regression models are not always possible</a:t>
             </a:r>
           </a:p>
           <a:p>
@@ -7009,11 +6916,7 @@
             </a:pPr>
             <a:r>
               <a:rPr lang="en-US" dirty="0"/>
-              <a:t>Reticulate only works with </a:t>
-            </a:r>
-            <a:r>
-              <a:rPr lang="en-US" dirty="0" smtClean="0"/>
-              <a:t>Knit</a:t>
+              <a:t>Reticulate only works with Knit</a:t>
             </a:r>
           </a:p>
           <a:p>
@@ -7108,10 +7011,6 @@
               <a:rPr lang="en-US" sz="2800" b="1" dirty="0"/>
               <a:t>Conclusions</a:t>
             </a:r>
-            <a:r>
-              <a:rPr lang="en-US" dirty="0"/>
-              <a:t/>
-            </a:r>
             <a:br>
               <a:rPr lang="en-US" dirty="0"/>
             </a:br>
@@ -7164,12 +7063,12 @@
           <a:lstStyle/>
           <a:p>
             <a:r>
-              <a:rPr lang="en-US" sz="2400" dirty="0" smtClean="0"/>
+              <a:rPr lang="en-US" sz="2400" dirty="0"/>
               <a:t>Data Science</a:t>
             </a:r>
           </a:p>
           <a:p>
-            <a:endParaRPr lang="en-US" dirty="0" smtClean="0"/>
+            <a:endParaRPr lang="en-US" dirty="0"/>
           </a:p>
           <a:p>
             <a:pPr marL="285750" indent="-285750">
@@ -7177,12 +7076,8 @@
               <a:buChar char="•"/>
             </a:pPr>
             <a:r>
-              <a:rPr lang="en-US" dirty="0" smtClean="0"/>
-              <a:t>GDP </a:t>
-            </a:r>
-            <a:r>
-              <a:rPr lang="en-US" dirty="0"/>
-              <a:t>growth expected in 2019: </a:t>
+              <a:rPr lang="en-US" dirty="0"/>
+              <a:t>GDP growth expected in 2019: </a:t>
             </a:r>
             <a:r>
               <a:rPr lang="en-US" b="1" dirty="0"/>
@@ -7226,11 +7121,7 @@
             </a:pPr>
             <a:r>
               <a:rPr lang="en-US" dirty="0"/>
-              <a:t>Economic indicator modeling using linear regression: congress composition not a good </a:t>
-            </a:r>
-            <a:r>
-              <a:rPr lang="en-US" dirty="0" smtClean="0"/>
-              <a:t>estimator</a:t>
+              <a:t>Economic indicator modeling using linear regression: congress composition not a good estimator</a:t>
             </a:r>
           </a:p>
           <a:p>
@@ -7246,7 +7137,7 @@
               <a:buChar char="•"/>
             </a:pPr>
             <a:r>
-              <a:rPr lang="en-US" dirty="0" smtClean="0"/>
+              <a:rPr lang="en-US" dirty="0"/>
               <a:t>2018 to 2019 prediction using a Neural Network classifier does not show any change in the state of the economy</a:t>
             </a:r>
           </a:p>
@@ -7262,7 +7153,7 @@
           </a:p>
           <a:p>
             <a:r>
-              <a:rPr lang="en-US" sz="2400" dirty="0" smtClean="0"/>
+              <a:rPr lang="en-US" sz="2400" dirty="0"/>
               <a:t>Data Engineering</a:t>
             </a:r>
           </a:p>
@@ -7279,12 +7170,8 @@
               <a:buChar char="•"/>
             </a:pPr>
             <a:r>
-              <a:rPr lang="en-US" dirty="0" smtClean="0"/>
-              <a:t>Python </a:t>
-            </a:r>
-            <a:r>
-              <a:rPr lang="en-US" dirty="0"/>
-              <a:t>modeling is possible in R using Reticulate library </a:t>
+              <a:rPr lang="en-US" dirty="0"/>
+              <a:t>Python modeling is possible in R using Reticulate library </a:t>
             </a:r>
           </a:p>
           <a:p>
@@ -7351,10 +7238,6 @@
             <a:r>
               <a:rPr lang="en-US" sz="2800" b="1" dirty="0"/>
               <a:t>Analysis Workflow</a:t>
-            </a:r>
-            <a:r>
-              <a:rPr lang="en-US" dirty="0"/>
-              <a:t/>
             </a:r>
             <a:br>
               <a:rPr lang="en-US" dirty="0"/>
@@ -7481,10 +7364,6 @@
               <a:rPr lang="en-US" sz="2800" b="1" dirty="0"/>
               <a:t>Data Analysis</a:t>
             </a:r>
-            <a:r>
-              <a:rPr lang="en-US" dirty="0"/>
-              <a:t/>
-            </a:r>
             <a:br>
               <a:rPr lang="en-US" dirty="0"/>
             </a:br>
@@ -7765,10 +7644,6 @@
             <a:r>
               <a:rPr lang="en-US" sz="2800" b="1" dirty="0"/>
               <a:t>Data Analysis</a:t>
-            </a:r>
-            <a:r>
-              <a:rPr lang="en-US" dirty="0"/>
-              <a:t/>
             </a:r>
             <a:br>
               <a:rPr lang="en-US" dirty="0"/>
@@ -8111,10 +7986,6 @@
               <a:rPr lang="en-US" sz="2800" b="1" dirty="0"/>
               <a:t>Economic Data</a:t>
             </a:r>
-            <a:r>
-              <a:rPr lang="en-US" dirty="0"/>
-              <a:t/>
-            </a:r>
             <a:br>
               <a:rPr lang="en-US" dirty="0"/>
             </a:br>
@@ -8362,10 +8233,6 @@
             <a:r>
               <a:rPr lang="en-US" sz="2800" b="1" dirty="0"/>
               <a:t>Economic Data</a:t>
-            </a:r>
-            <a:r>
-              <a:rPr lang="en-US" dirty="0"/>
-              <a:t/>
             </a:r>
             <a:br>
               <a:rPr lang="en-US" dirty="0"/>
@@ -8467,10 +8334,6 @@
             <a:r>
               <a:rPr lang="en-US" sz="2800" b="1" dirty="0"/>
               <a:t>Electoral Data</a:t>
-            </a:r>
-            <a:r>
-              <a:rPr lang="en-US" dirty="0"/>
-              <a:t/>
             </a:r>
             <a:br>
               <a:rPr lang="en-US" dirty="0"/>
